--- a/IntroToJS/JavaScriptVariables.pptx
+++ b/IntroToJS/JavaScriptVariables.pptx
@@ -221,7 +221,7 @@
           <a:p>
             <a:fld id="{19104133-B5B0-4351-8158-4F0E5EB1E2BF}" type="datetimeFigureOut">
               <a:rPr lang="en-US" smtClean="0"/>
-              <a:t>9/2/2022</a:t>
+              <a:t>2/26/2024</a:t>
             </a:fld>
             <a:endParaRPr lang="en-US"/>
           </a:p>
@@ -2030,7 +2030,7 @@
             <a:fld id="{1C2D31DE-C454-491C-B5C3-F097855E3DF7}" type="datetime4">
               <a:rPr lang="en-US" smtClean="0"/>
               <a:pPr/>
-              <a:t>September 2, 2022</a:t>
+              <a:t>February 26, 2024</a:t>
             </a:fld>
             <a:endParaRPr lang="en-US" dirty="0"/>
           </a:p>
@@ -5422,7 +5422,7 @@
           <a:p>
             <a:fld id="{5958763E-B898-436D-883D-03711491D54A}" type="datetimeFigureOut">
               <a:rPr lang="en-US" smtClean="0"/>
-              <a:t>9/2/2022</a:t>
+              <a:t>2/26/2024</a:t>
             </a:fld>
             <a:endParaRPr lang="en-US"/>
           </a:p>
@@ -5615,7 +5615,7 @@
           <a:p>
             <a:fld id="{5958763E-B898-436D-883D-03711491D54A}" type="datetimeFigureOut">
               <a:rPr lang="en-US" smtClean="0"/>
-              <a:t>9/2/2022</a:t>
+              <a:t>2/26/2024</a:t>
             </a:fld>
             <a:endParaRPr lang="en-US"/>
           </a:p>
@@ -5865,7 +5865,7 @@
           <a:p>
             <a:fld id="{5958763E-B898-436D-883D-03711491D54A}" type="datetimeFigureOut">
               <a:rPr lang="en-US" smtClean="0"/>
-              <a:t>9/2/2022</a:t>
+              <a:t>2/26/2024</a:t>
             </a:fld>
             <a:endParaRPr lang="en-US"/>
           </a:p>
@@ -6213,7 +6213,7 @@
           <a:p>
             <a:fld id="{5958763E-B898-436D-883D-03711491D54A}" type="datetimeFigureOut">
               <a:rPr lang="en-US" smtClean="0"/>
-              <a:t>9/2/2022</a:t>
+              <a:t>2/26/2024</a:t>
             </a:fld>
             <a:endParaRPr lang="en-US"/>
           </a:p>
@@ -6629,7 +6629,7 @@
           <a:p>
             <a:fld id="{5958763E-B898-436D-883D-03711491D54A}" type="datetimeFigureOut">
               <a:rPr lang="en-US" smtClean="0"/>
-              <a:t>9/2/2022</a:t>
+              <a:t>2/26/2024</a:t>
             </a:fld>
             <a:endParaRPr lang="en-US"/>
           </a:p>
@@ -7130,7 +7130,7 @@
           <a:p>
             <a:fld id="{5958763E-B898-436D-883D-03711491D54A}" type="datetimeFigureOut">
               <a:rPr lang="en-US" smtClean="0"/>
-              <a:t>9/2/2022</a:t>
+              <a:t>2/26/2024</a:t>
             </a:fld>
             <a:endParaRPr lang="en-US"/>
           </a:p>
@@ -7581,7 +7581,7 @@
           <a:p>
             <a:fld id="{5958763E-B898-436D-883D-03711491D54A}" type="datetimeFigureOut">
               <a:rPr lang="en-US" smtClean="0"/>
-              <a:t>9/2/2022</a:t>
+              <a:t>2/26/2024</a:t>
             </a:fld>
             <a:endParaRPr lang="en-US"/>
           </a:p>
@@ -8192,7 +8192,7 @@
           <a:p>
             <a:fld id="{5958763E-B898-436D-883D-03711491D54A}" type="datetimeFigureOut">
               <a:rPr lang="en-US" smtClean="0"/>
-              <a:t>9/2/2022</a:t>
+              <a:t>2/26/2024</a:t>
             </a:fld>
             <a:endParaRPr lang="en-US"/>
           </a:p>
@@ -8963,7 +8963,7 @@
           <a:p>
             <a:fld id="{5958763E-B898-436D-883D-03711491D54A}" type="datetimeFigureOut">
               <a:rPr lang="en-US" smtClean="0"/>
-              <a:t>9/2/2022</a:t>
+              <a:t>2/26/2024</a:t>
             </a:fld>
             <a:endParaRPr lang="en-US"/>
           </a:p>
@@ -9067,7 +9067,7 @@
           <a:p>
             <a:fld id="{5958763E-B898-436D-883D-03711491D54A}" type="datetimeFigureOut">
               <a:rPr lang="en-US" smtClean="0"/>
-              <a:t>9/2/2022</a:t>
+              <a:t>2/26/2024</a:t>
             </a:fld>
             <a:endParaRPr lang="en-US"/>
           </a:p>
@@ -9394,7 +9394,7 @@
             <a:fld id="{1C2D31DE-C454-491C-B5C3-F097855E3DF7}" type="datetime4">
               <a:rPr lang="en-US" smtClean="0"/>
               <a:pPr/>
-              <a:t>September 2, 2022</a:t>
+              <a:t>February 26, 2024</a:t>
             </a:fld>
             <a:endParaRPr lang="en-US" dirty="0"/>
           </a:p>
@@ -12546,7 +12546,7 @@
           <a:p>
             <a:fld id="{5958763E-B898-436D-883D-03711491D54A}" type="datetimeFigureOut">
               <a:rPr lang="en-US" smtClean="0"/>
-              <a:t>9/2/2022</a:t>
+              <a:t>2/26/2024</a:t>
             </a:fld>
             <a:endParaRPr lang="en-US"/>
           </a:p>
@@ -12670,7 +12670,7 @@
           <a:p>
             <a:fld id="{5958763E-B898-436D-883D-03711491D54A}" type="datetimeFigureOut">
               <a:rPr lang="en-US" smtClean="0"/>
-              <a:t>9/2/2022</a:t>
+              <a:t>2/26/2024</a:t>
             </a:fld>
             <a:endParaRPr lang="en-US"/>
           </a:p>
@@ -12794,7 +12794,7 @@
           <a:p>
             <a:fld id="{5958763E-B898-436D-883D-03711491D54A}" type="datetimeFigureOut">
               <a:rPr lang="en-US" smtClean="0"/>
-              <a:t>9/2/2022</a:t>
+              <a:t>2/26/2024</a:t>
             </a:fld>
             <a:endParaRPr lang="en-US"/>
           </a:p>
@@ -12918,7 +12918,7 @@
           <a:p>
             <a:fld id="{5958763E-B898-436D-883D-03711491D54A}" type="datetimeFigureOut">
               <a:rPr lang="en-US" smtClean="0"/>
-              <a:t>9/2/2022</a:t>
+              <a:t>2/26/2024</a:t>
             </a:fld>
             <a:endParaRPr lang="en-US"/>
           </a:p>
@@ -13042,7 +13042,7 @@
           <a:p>
             <a:fld id="{5958763E-B898-436D-883D-03711491D54A}" type="datetimeFigureOut">
               <a:rPr lang="en-US" smtClean="0"/>
-              <a:t>9/2/2022</a:t>
+              <a:t>2/26/2024</a:t>
             </a:fld>
             <a:endParaRPr lang="en-US"/>
           </a:p>
@@ -13166,7 +13166,7 @@
           <a:p>
             <a:fld id="{5958763E-B898-436D-883D-03711491D54A}" type="datetimeFigureOut">
               <a:rPr lang="en-US" smtClean="0"/>
-              <a:t>9/2/2022</a:t>
+              <a:t>2/26/2024</a:t>
             </a:fld>
             <a:endParaRPr lang="en-US"/>
           </a:p>
@@ -13290,7 +13290,7 @@
           <a:p>
             <a:fld id="{5958763E-B898-436D-883D-03711491D54A}" type="datetimeFigureOut">
               <a:rPr lang="en-US" smtClean="0"/>
-              <a:t>9/2/2022</a:t>
+              <a:t>2/26/2024</a:t>
             </a:fld>
             <a:endParaRPr lang="en-US"/>
           </a:p>
@@ -13414,7 +13414,7 @@
           <a:p>
             <a:fld id="{5958763E-B898-436D-883D-03711491D54A}" type="datetimeFigureOut">
               <a:rPr lang="en-US" smtClean="0"/>
-              <a:t>9/2/2022</a:t>
+              <a:t>2/26/2024</a:t>
             </a:fld>
             <a:endParaRPr lang="en-US"/>
           </a:p>
@@ -13547,7 +13547,7 @@
           <a:p>
             <a:fld id="{5958763E-B898-436D-883D-03711491D54A}" type="datetimeFigureOut">
               <a:rPr lang="en-US" smtClean="0"/>
-              <a:t>9/2/2022</a:t>
+              <a:t>2/26/2024</a:t>
             </a:fld>
             <a:endParaRPr lang="en-US"/>
           </a:p>
@@ -16886,7 +16886,7 @@
             <a:fld id="{1C2D31DE-C454-491C-B5C3-F097855E3DF7}" type="datetime4">
               <a:rPr lang="en-US" smtClean="0"/>
               <a:pPr/>
-              <a:t>September 2, 2022</a:t>
+              <a:t>February 26, 2024</a:t>
             </a:fld>
             <a:endParaRPr lang="en-US" dirty="0"/>
           </a:p>
@@ -29122,7 +29122,7 @@
           <a:p>
             <a:fld id="{5958763E-B898-436D-883D-03711491D54A}" type="datetimeFigureOut">
               <a:rPr lang="en-US" smtClean="0"/>
-              <a:t>9/2/2022</a:t>
+              <a:t>2/26/2024</a:t>
             </a:fld>
             <a:endParaRPr lang="en-US"/>
           </a:p>
@@ -29524,7 +29524,7 @@
           <a:p>
             <a:fld id="{5958763E-B898-436D-883D-03711491D54A}" type="datetimeFigureOut">
               <a:rPr lang="en-US" smtClean="0"/>
-              <a:t>9/2/2022</a:t>
+              <a:t>2/26/2024</a:t>
             </a:fld>
             <a:endParaRPr lang="en-US"/>
           </a:p>
@@ -29818,7 +29818,7 @@
           <a:p>
             <a:fld id="{5958763E-B898-436D-883D-03711491D54A}" type="datetimeFigureOut">
               <a:rPr lang="en-US" smtClean="0"/>
-              <a:t>9/2/2022</a:t>
+              <a:t>2/26/2024</a:t>
             </a:fld>
             <a:endParaRPr lang="en-US"/>
           </a:p>
@@ -30019,7 +30019,7 @@
           <a:p>
             <a:fld id="{5958763E-B898-436D-883D-03711491D54A}" type="datetimeFigureOut">
               <a:rPr lang="en-US" smtClean="0"/>
-              <a:t>9/2/2022</a:t>
+              <a:t>2/26/2024</a:t>
             </a:fld>
             <a:endParaRPr lang="en-US"/>
           </a:p>
@@ -30280,7 +30280,7 @@
           <a:p>
             <a:fld id="{5958763E-B898-436D-883D-03711491D54A}" type="datetimeFigureOut">
               <a:rPr lang="en-US" smtClean="0"/>
-              <a:t>9/2/2022</a:t>
+              <a:t>2/26/2024</a:t>
             </a:fld>
             <a:endParaRPr lang="en-US"/>
           </a:p>
@@ -30788,7 +30788,7 @@
           <a:p>
             <a:fld id="{5958763E-B898-436D-883D-03711491D54A}" type="datetimeFigureOut">
               <a:rPr lang="en-US" smtClean="0"/>
-              <a:t>9/2/2022</a:t>
+              <a:t>2/26/2024</a:t>
             </a:fld>
             <a:endParaRPr lang="en-US"/>
           </a:p>
@@ -31267,7 +31267,7 @@
           <a:p>
             <a:fld id="{5958763E-B898-436D-883D-03711491D54A}" type="datetimeFigureOut">
               <a:rPr lang="en-US" smtClean="0"/>
-              <a:t>9/2/2022</a:t>
+              <a:t>2/26/2024</a:t>
             </a:fld>
             <a:endParaRPr lang="en-US"/>
           </a:p>
@@ -32086,7 +32086,7 @@
           <a:p>
             <a:fld id="{5958763E-B898-436D-883D-03711491D54A}" type="datetimeFigureOut">
               <a:rPr lang="en-US" smtClean="0"/>
-              <a:t>9/2/2022</a:t>
+              <a:t>2/26/2024</a:t>
             </a:fld>
             <a:endParaRPr lang="en-US"/>
           </a:p>
@@ -32287,7 +32287,7 @@
           <a:p>
             <a:fld id="{5958763E-B898-436D-883D-03711491D54A}" type="datetimeFigureOut">
               <a:rPr lang="en-US" smtClean="0"/>
-              <a:t>9/2/2022</a:t>
+              <a:t>2/26/2024</a:t>
             </a:fld>
             <a:endParaRPr lang="en-US"/>
           </a:p>
@@ -32622,7 +32622,7 @@
           <a:p>
             <a:fld id="{5958763E-B898-436D-883D-03711491D54A}" type="datetimeFigureOut">
               <a:rPr lang="en-US" smtClean="0"/>
-              <a:t>9/2/2022</a:t>
+              <a:t>2/26/2024</a:t>
             </a:fld>
             <a:endParaRPr lang="en-US"/>
           </a:p>
@@ -32852,7 +32852,7 @@
           <a:p>
             <a:fld id="{5958763E-B898-436D-883D-03711491D54A}" type="datetimeFigureOut">
               <a:rPr lang="en-US" smtClean="0"/>
-              <a:t>9/2/2022</a:t>
+              <a:t>2/26/2024</a:t>
             </a:fld>
             <a:endParaRPr lang="en-US"/>
           </a:p>
@@ -33096,7 +33096,7 @@
           <a:p>
             <a:fld id="{5958763E-B898-436D-883D-03711491D54A}" type="datetimeFigureOut">
               <a:rPr lang="en-US" smtClean="0"/>
-              <a:t>9/2/2022</a:t>
+              <a:t>2/26/2024</a:t>
             </a:fld>
             <a:endParaRPr lang="en-US"/>
           </a:p>
@@ -37056,7 +37056,7 @@
           <a:p>
             <a:r>
               <a:rPr lang="en-US" dirty="0"/>
-              <a:t>Mini-challenge</a:t>
+              <a:t>Mini-challenge: Update your script.js file</a:t>
             </a:r>
           </a:p>
         </p:txBody>
@@ -37104,18 +37104,6 @@
               </a:rPr>
               <a:t>For example, if the user enters “Charlie”, it should say “Hello, Charlie!”</a:t>
             </a:r>
-          </a:p>
-          <a:p>
-            <a:pPr marL="57150" indent="0" algn="ctr">
-              <a:buNone/>
-            </a:pPr>
-            <a:endParaRPr lang="en-US" sz="4400" dirty="0">
-              <a:solidFill>
-                <a:schemeClr val="accent1">
-                  <a:lumMod val="50000"/>
-                </a:schemeClr>
-              </a:solidFill>
-            </a:endParaRPr>
           </a:p>
         </p:txBody>
       </p:sp>
@@ -38123,12 +38111,6 @@
               </a:rPr>
               <a:t>);</a:t>
             </a:r>
-          </a:p>
-          <a:p>
-            <a:pPr marL="57150" indent="0">
-              <a:buNone/>
-            </a:pPr>
-            <a:endParaRPr lang="en-US" dirty="0"/>
           </a:p>
         </p:txBody>
       </p:sp>
@@ -41002,7 +40984,7 @@
           <a:p>
             <a:r>
               <a:rPr lang="en-US" dirty="0"/>
-              <a:t>Mini-challenge</a:t>
+              <a:t>Mini-challenge: update your script.js file</a:t>
             </a:r>
           </a:p>
         </p:txBody>

--- a/IntroToJS/JavaScriptVariables.pptx
+++ b/IntroToJS/JavaScriptVariables.pptx
@@ -12,8 +12,8 @@
     <p:sldId id="314" r:id="rId3"/>
     <p:sldId id="315" r:id="rId4"/>
     <p:sldId id="328" r:id="rId5"/>
-    <p:sldId id="316" r:id="rId6"/>
-    <p:sldId id="318" r:id="rId7"/>
+    <p:sldId id="318" r:id="rId6"/>
+    <p:sldId id="316" r:id="rId7"/>
     <p:sldId id="319" r:id="rId8"/>
     <p:sldId id="320" r:id="rId9"/>
     <p:sldId id="321" r:id="rId10"/>
@@ -221,7 +221,7 @@
           <a:p>
             <a:fld id="{19104133-B5B0-4351-8158-4F0E5EB1E2BF}" type="datetimeFigureOut">
               <a:rPr lang="en-US" smtClean="0"/>
-              <a:t>2/26/2024</a:t>
+              <a:t>9/4/2024</a:t>
             </a:fld>
             <a:endParaRPr lang="en-US"/>
           </a:p>
@@ -1264,19 +1264,11 @@
           <a:p>
             <a:r>
               <a:rPr lang="en-US" dirty="0"/>
-              <a:t>For the </a:t>
-            </a:r>
-            <a:r>
-              <a:rPr lang="en-US" dirty="0" err="1"/>
-              <a:t>Repl</a:t>
-            </a:r>
-            <a:r>
-              <a:rPr lang="en-US" dirty="0"/>
-              <a:t>,</a:t>
+              <a:t>Ask the students what</a:t>
             </a:r>
             <a:r>
               <a:rPr lang="en-US" baseline="0" dirty="0"/>
-              <a:t> show how the variable is declared, set, and set again. The </a:t>
+              <a:t> message the user will see. What is the </a:t>
             </a:r>
             <a:r>
               <a:rPr lang="en-US" i="1" baseline="0" dirty="0"/>
@@ -1284,9 +1276,17 @@
             </a:r>
             <a:r>
               <a:rPr lang="en-US" i="0" baseline="0" dirty="0"/>
-              <a:t> changes based on the code.</a:t>
+              <a:t> of the </a:t>
             </a:r>
-            <a:endParaRPr lang="en-US" baseline="0" dirty="0"/>
+            <a:r>
+              <a:rPr lang="en-US" b="1" i="0" baseline="0" dirty="0"/>
+              <a:t>username</a:t>
+            </a:r>
+            <a:r>
+              <a:rPr lang="en-US" b="0" i="0" baseline="0" dirty="0"/>
+              <a:t> variable?</a:t>
+            </a:r>
+            <a:endParaRPr lang="en-US" dirty="0"/>
           </a:p>
         </p:txBody>
       </p:sp>
@@ -1316,7 +1316,7 @@
     </p:spTree>
     <p:extLst>
       <p:ext uri="{BB962C8B-B14F-4D97-AF65-F5344CB8AC3E}">
-        <p14:creationId xmlns:p14="http://schemas.microsoft.com/office/powerpoint/2010/main" val="140797552"/>
+        <p14:creationId xmlns:p14="http://schemas.microsoft.com/office/powerpoint/2010/main" val="1607335643"/>
       </p:ext>
     </p:extLst>
   </p:cSld>
@@ -1372,11 +1372,19 @@
           <a:p>
             <a:r>
               <a:rPr lang="en-US" dirty="0"/>
-              <a:t>Ask the students what</a:t>
+              <a:t>For the </a:t>
+            </a:r>
+            <a:r>
+              <a:rPr lang="en-US" dirty="0" err="1"/>
+              <a:t>Repl</a:t>
+            </a:r>
+            <a:r>
+              <a:rPr lang="en-US" dirty="0"/>
+              <a:t>,</a:t>
             </a:r>
             <a:r>
               <a:rPr lang="en-US" baseline="0" dirty="0"/>
-              <a:t> message the user will see. What is the </a:t>
+              <a:t> show how the variable is declared, set, and set again. The </a:t>
             </a:r>
             <a:r>
               <a:rPr lang="en-US" i="1" baseline="0" dirty="0"/>
@@ -1384,17 +1392,9 @@
             </a:r>
             <a:r>
               <a:rPr lang="en-US" i="0" baseline="0" dirty="0"/>
-              <a:t> of the </a:t>
+              <a:t> changes based on the code.</a:t>
             </a:r>
-            <a:r>
-              <a:rPr lang="en-US" b="1" i="0" baseline="0" dirty="0"/>
-              <a:t>username</a:t>
-            </a:r>
-            <a:r>
-              <a:rPr lang="en-US" b="0" i="0" baseline="0" dirty="0"/>
-              <a:t> variable?</a:t>
-            </a:r>
-            <a:endParaRPr lang="en-US" dirty="0"/>
+            <a:endParaRPr lang="en-US" baseline="0" dirty="0"/>
           </a:p>
         </p:txBody>
       </p:sp>
@@ -1424,7 +1424,7 @@
     </p:spTree>
     <p:extLst>
       <p:ext uri="{BB962C8B-B14F-4D97-AF65-F5344CB8AC3E}">
-        <p14:creationId xmlns:p14="http://schemas.microsoft.com/office/powerpoint/2010/main" val="1607335643"/>
+        <p14:creationId xmlns:p14="http://schemas.microsoft.com/office/powerpoint/2010/main" val="140797552"/>
       </p:ext>
     </p:extLst>
   </p:cSld>
@@ -2030,7 +2030,7 @@
             <a:fld id="{1C2D31DE-C454-491C-B5C3-F097855E3DF7}" type="datetime4">
               <a:rPr lang="en-US" smtClean="0"/>
               <a:pPr/>
-              <a:t>February 26, 2024</a:t>
+              <a:t>September 4, 2024</a:t>
             </a:fld>
             <a:endParaRPr lang="en-US" dirty="0"/>
           </a:p>
@@ -5422,7 +5422,7 @@
           <a:p>
             <a:fld id="{5958763E-B898-436D-883D-03711491D54A}" type="datetimeFigureOut">
               <a:rPr lang="en-US" smtClean="0"/>
-              <a:t>2/26/2024</a:t>
+              <a:t>9/4/2024</a:t>
             </a:fld>
             <a:endParaRPr lang="en-US"/>
           </a:p>
@@ -5615,7 +5615,7 @@
           <a:p>
             <a:fld id="{5958763E-B898-436D-883D-03711491D54A}" type="datetimeFigureOut">
               <a:rPr lang="en-US" smtClean="0"/>
-              <a:t>2/26/2024</a:t>
+              <a:t>9/4/2024</a:t>
             </a:fld>
             <a:endParaRPr lang="en-US"/>
           </a:p>
@@ -5865,7 +5865,7 @@
           <a:p>
             <a:fld id="{5958763E-B898-436D-883D-03711491D54A}" type="datetimeFigureOut">
               <a:rPr lang="en-US" smtClean="0"/>
-              <a:t>2/26/2024</a:t>
+              <a:t>9/4/2024</a:t>
             </a:fld>
             <a:endParaRPr lang="en-US"/>
           </a:p>
@@ -6213,7 +6213,7 @@
           <a:p>
             <a:fld id="{5958763E-B898-436D-883D-03711491D54A}" type="datetimeFigureOut">
               <a:rPr lang="en-US" smtClean="0"/>
-              <a:t>2/26/2024</a:t>
+              <a:t>9/4/2024</a:t>
             </a:fld>
             <a:endParaRPr lang="en-US"/>
           </a:p>
@@ -6629,7 +6629,7 @@
           <a:p>
             <a:fld id="{5958763E-B898-436D-883D-03711491D54A}" type="datetimeFigureOut">
               <a:rPr lang="en-US" smtClean="0"/>
-              <a:t>2/26/2024</a:t>
+              <a:t>9/4/2024</a:t>
             </a:fld>
             <a:endParaRPr lang="en-US"/>
           </a:p>
@@ -7130,7 +7130,7 @@
           <a:p>
             <a:fld id="{5958763E-B898-436D-883D-03711491D54A}" type="datetimeFigureOut">
               <a:rPr lang="en-US" smtClean="0"/>
-              <a:t>2/26/2024</a:t>
+              <a:t>9/4/2024</a:t>
             </a:fld>
             <a:endParaRPr lang="en-US"/>
           </a:p>
@@ -7581,7 +7581,7 @@
           <a:p>
             <a:fld id="{5958763E-B898-436D-883D-03711491D54A}" type="datetimeFigureOut">
               <a:rPr lang="en-US" smtClean="0"/>
-              <a:t>2/26/2024</a:t>
+              <a:t>9/4/2024</a:t>
             </a:fld>
             <a:endParaRPr lang="en-US"/>
           </a:p>
@@ -8192,7 +8192,7 @@
           <a:p>
             <a:fld id="{5958763E-B898-436D-883D-03711491D54A}" type="datetimeFigureOut">
               <a:rPr lang="en-US" smtClean="0"/>
-              <a:t>2/26/2024</a:t>
+              <a:t>9/4/2024</a:t>
             </a:fld>
             <a:endParaRPr lang="en-US"/>
           </a:p>
@@ -8963,7 +8963,7 @@
           <a:p>
             <a:fld id="{5958763E-B898-436D-883D-03711491D54A}" type="datetimeFigureOut">
               <a:rPr lang="en-US" smtClean="0"/>
-              <a:t>2/26/2024</a:t>
+              <a:t>9/4/2024</a:t>
             </a:fld>
             <a:endParaRPr lang="en-US"/>
           </a:p>
@@ -9067,7 +9067,7 @@
           <a:p>
             <a:fld id="{5958763E-B898-436D-883D-03711491D54A}" type="datetimeFigureOut">
               <a:rPr lang="en-US" smtClean="0"/>
-              <a:t>2/26/2024</a:t>
+              <a:t>9/4/2024</a:t>
             </a:fld>
             <a:endParaRPr lang="en-US"/>
           </a:p>
@@ -9394,7 +9394,7 @@
             <a:fld id="{1C2D31DE-C454-491C-B5C3-F097855E3DF7}" type="datetime4">
               <a:rPr lang="en-US" smtClean="0"/>
               <a:pPr/>
-              <a:t>February 26, 2024</a:t>
+              <a:t>September 4, 2024</a:t>
             </a:fld>
             <a:endParaRPr lang="en-US" dirty="0"/>
           </a:p>
@@ -12546,7 +12546,7 @@
           <a:p>
             <a:fld id="{5958763E-B898-436D-883D-03711491D54A}" type="datetimeFigureOut">
               <a:rPr lang="en-US" smtClean="0"/>
-              <a:t>2/26/2024</a:t>
+              <a:t>9/4/2024</a:t>
             </a:fld>
             <a:endParaRPr lang="en-US"/>
           </a:p>
@@ -12670,7 +12670,7 @@
           <a:p>
             <a:fld id="{5958763E-B898-436D-883D-03711491D54A}" type="datetimeFigureOut">
               <a:rPr lang="en-US" smtClean="0"/>
-              <a:t>2/26/2024</a:t>
+              <a:t>9/4/2024</a:t>
             </a:fld>
             <a:endParaRPr lang="en-US"/>
           </a:p>
@@ -12794,7 +12794,7 @@
           <a:p>
             <a:fld id="{5958763E-B898-436D-883D-03711491D54A}" type="datetimeFigureOut">
               <a:rPr lang="en-US" smtClean="0"/>
-              <a:t>2/26/2024</a:t>
+              <a:t>9/4/2024</a:t>
             </a:fld>
             <a:endParaRPr lang="en-US"/>
           </a:p>
@@ -12918,7 +12918,7 @@
           <a:p>
             <a:fld id="{5958763E-B898-436D-883D-03711491D54A}" type="datetimeFigureOut">
               <a:rPr lang="en-US" smtClean="0"/>
-              <a:t>2/26/2024</a:t>
+              <a:t>9/4/2024</a:t>
             </a:fld>
             <a:endParaRPr lang="en-US"/>
           </a:p>
@@ -13042,7 +13042,7 @@
           <a:p>
             <a:fld id="{5958763E-B898-436D-883D-03711491D54A}" type="datetimeFigureOut">
               <a:rPr lang="en-US" smtClean="0"/>
-              <a:t>2/26/2024</a:t>
+              <a:t>9/4/2024</a:t>
             </a:fld>
             <a:endParaRPr lang="en-US"/>
           </a:p>
@@ -13166,7 +13166,7 @@
           <a:p>
             <a:fld id="{5958763E-B898-436D-883D-03711491D54A}" type="datetimeFigureOut">
               <a:rPr lang="en-US" smtClean="0"/>
-              <a:t>2/26/2024</a:t>
+              <a:t>9/4/2024</a:t>
             </a:fld>
             <a:endParaRPr lang="en-US"/>
           </a:p>
@@ -13290,7 +13290,7 @@
           <a:p>
             <a:fld id="{5958763E-B898-436D-883D-03711491D54A}" type="datetimeFigureOut">
               <a:rPr lang="en-US" smtClean="0"/>
-              <a:t>2/26/2024</a:t>
+              <a:t>9/4/2024</a:t>
             </a:fld>
             <a:endParaRPr lang="en-US"/>
           </a:p>
@@ -13414,7 +13414,7 @@
           <a:p>
             <a:fld id="{5958763E-B898-436D-883D-03711491D54A}" type="datetimeFigureOut">
               <a:rPr lang="en-US" smtClean="0"/>
-              <a:t>2/26/2024</a:t>
+              <a:t>9/4/2024</a:t>
             </a:fld>
             <a:endParaRPr lang="en-US"/>
           </a:p>
@@ -13547,7 +13547,7 @@
           <a:p>
             <a:fld id="{5958763E-B898-436D-883D-03711491D54A}" type="datetimeFigureOut">
               <a:rPr lang="en-US" smtClean="0"/>
-              <a:t>2/26/2024</a:t>
+              <a:t>9/4/2024</a:t>
             </a:fld>
             <a:endParaRPr lang="en-US"/>
           </a:p>
@@ -16886,7 +16886,7 @@
             <a:fld id="{1C2D31DE-C454-491C-B5C3-F097855E3DF7}" type="datetime4">
               <a:rPr lang="en-US" smtClean="0"/>
               <a:pPr/>
-              <a:t>February 26, 2024</a:t>
+              <a:t>September 4, 2024</a:t>
             </a:fld>
             <a:endParaRPr lang="en-US" dirty="0"/>
           </a:p>
@@ -29122,7 +29122,7 @@
           <a:p>
             <a:fld id="{5958763E-B898-436D-883D-03711491D54A}" type="datetimeFigureOut">
               <a:rPr lang="en-US" smtClean="0"/>
-              <a:t>2/26/2024</a:t>
+              <a:t>9/4/2024</a:t>
             </a:fld>
             <a:endParaRPr lang="en-US"/>
           </a:p>
@@ -29524,7 +29524,7 @@
           <a:p>
             <a:fld id="{5958763E-B898-436D-883D-03711491D54A}" type="datetimeFigureOut">
               <a:rPr lang="en-US" smtClean="0"/>
-              <a:t>2/26/2024</a:t>
+              <a:t>9/4/2024</a:t>
             </a:fld>
             <a:endParaRPr lang="en-US"/>
           </a:p>
@@ -29818,7 +29818,7 @@
           <a:p>
             <a:fld id="{5958763E-B898-436D-883D-03711491D54A}" type="datetimeFigureOut">
               <a:rPr lang="en-US" smtClean="0"/>
-              <a:t>2/26/2024</a:t>
+              <a:t>9/4/2024</a:t>
             </a:fld>
             <a:endParaRPr lang="en-US"/>
           </a:p>
@@ -30019,7 +30019,7 @@
           <a:p>
             <a:fld id="{5958763E-B898-436D-883D-03711491D54A}" type="datetimeFigureOut">
               <a:rPr lang="en-US" smtClean="0"/>
-              <a:t>2/26/2024</a:t>
+              <a:t>9/4/2024</a:t>
             </a:fld>
             <a:endParaRPr lang="en-US"/>
           </a:p>
@@ -30280,7 +30280,7 @@
           <a:p>
             <a:fld id="{5958763E-B898-436D-883D-03711491D54A}" type="datetimeFigureOut">
               <a:rPr lang="en-US" smtClean="0"/>
-              <a:t>2/26/2024</a:t>
+              <a:t>9/4/2024</a:t>
             </a:fld>
             <a:endParaRPr lang="en-US"/>
           </a:p>
@@ -30788,7 +30788,7 @@
           <a:p>
             <a:fld id="{5958763E-B898-436D-883D-03711491D54A}" type="datetimeFigureOut">
               <a:rPr lang="en-US" smtClean="0"/>
-              <a:t>2/26/2024</a:t>
+              <a:t>9/4/2024</a:t>
             </a:fld>
             <a:endParaRPr lang="en-US"/>
           </a:p>
@@ -31267,7 +31267,7 @@
           <a:p>
             <a:fld id="{5958763E-B898-436D-883D-03711491D54A}" type="datetimeFigureOut">
               <a:rPr lang="en-US" smtClean="0"/>
-              <a:t>2/26/2024</a:t>
+              <a:t>9/4/2024</a:t>
             </a:fld>
             <a:endParaRPr lang="en-US"/>
           </a:p>
@@ -32086,7 +32086,7 @@
           <a:p>
             <a:fld id="{5958763E-B898-436D-883D-03711491D54A}" type="datetimeFigureOut">
               <a:rPr lang="en-US" smtClean="0"/>
-              <a:t>2/26/2024</a:t>
+              <a:t>9/4/2024</a:t>
             </a:fld>
             <a:endParaRPr lang="en-US"/>
           </a:p>
@@ -32287,7 +32287,7 @@
           <a:p>
             <a:fld id="{5958763E-B898-436D-883D-03711491D54A}" type="datetimeFigureOut">
               <a:rPr lang="en-US" smtClean="0"/>
-              <a:t>2/26/2024</a:t>
+              <a:t>9/4/2024</a:t>
             </a:fld>
             <a:endParaRPr lang="en-US"/>
           </a:p>
@@ -32622,7 +32622,7 @@
           <a:p>
             <a:fld id="{5958763E-B898-436D-883D-03711491D54A}" type="datetimeFigureOut">
               <a:rPr lang="en-US" smtClean="0"/>
-              <a:t>2/26/2024</a:t>
+              <a:t>9/4/2024</a:t>
             </a:fld>
             <a:endParaRPr lang="en-US"/>
           </a:p>
@@ -32852,7 +32852,7 @@
           <a:p>
             <a:fld id="{5958763E-B898-436D-883D-03711491D54A}" type="datetimeFigureOut">
               <a:rPr lang="en-US" smtClean="0"/>
-              <a:t>2/26/2024</a:t>
+              <a:t>9/4/2024</a:t>
             </a:fld>
             <a:endParaRPr lang="en-US"/>
           </a:p>
@@ -33096,7 +33096,7 @@
           <a:p>
             <a:fld id="{5958763E-B898-436D-883D-03711491D54A}" type="datetimeFigureOut">
               <a:rPr lang="en-US" smtClean="0"/>
-              <a:t>2/26/2024</a:t>
+              <a:t>9/4/2024</a:t>
             </a:fld>
             <a:endParaRPr lang="en-US"/>
           </a:p>
@@ -36875,28 +36875,7 @@
                   <a:srgbClr val="FFC000"/>
                 </a:solidFill>
               </a:rPr>
-              <a:t>Fork this Repl project, and copy the code above to try it!</a:t>
-            </a:r>
-          </a:p>
-          <a:p>
-            <a:pPr marL="57150" indent="0">
-              <a:buNone/>
-            </a:pPr>
-            <a:r>
-              <a:rPr lang="en-US" sz="3600" b="1" dirty="0">
-                <a:solidFill>
-                  <a:schemeClr val="bg1"/>
-                </a:solidFill>
-                <a:latin typeface="Consolas" panose="020B0609020204030204" pitchFamily="49" charset="0"/>
-                <a:hlinkClick r:id="rId3">
-                  <a:extLst>
-                    <a:ext uri="{A12FA001-AC4F-418D-AE19-62706E023703}">
-                      <ahyp:hlinkClr xmlns:ahyp="http://schemas.microsoft.com/office/drawing/2018/hyperlinkcolor" val="tx"/>
-                    </a:ext>
-                  </a:extLst>
-                </a:hlinkClick>
-              </a:rPr>
-              <a:t>replit.com/@HylandOutreach/JavaScriptStarter</a:t>
+              <a:t>Open a new JavaScript Starter project, and copy this code to try it!</a:t>
             </a:r>
             <a:endParaRPr lang="en-US" sz="3600" b="1" dirty="0">
               <a:solidFill>
@@ -36966,12 +36945,8 @@
           <a:lstStyle/>
           <a:p>
             <a:r>
-              <a:rPr lang="en-US"/>
-              <a:t>Variables </a:t>
-            </a:r>
-            <a:r>
               <a:rPr lang="en-US" dirty="0"/>
-              <a:t>example</a:t>
+              <a:t>Prompt and alert example</a:t>
             </a:r>
           </a:p>
         </p:txBody>
@@ -36997,10 +36972,10 @@
               <a:buNone/>
             </a:pPr>
             <a:r>
-              <a:rPr lang="en-US" sz="8800" dirty="0">
+              <a:rPr lang="en-US" sz="9600" dirty="0">
                 <a:hlinkClick r:id="rId3"/>
               </a:rPr>
-              <a:t>https://replit.com/@HylandOutreach/PromptAlert#script.js</a:t>
+              <a:t>https://jsfiddle.net/ux0gnosr/</a:t>
             </a:r>
             <a:endParaRPr lang="en-US" sz="9600" dirty="0"/>
           </a:p>
@@ -40185,105 +40160,6 @@
 <file path=ppt/slides/slide5.xml><?xml version="1.0" encoding="utf-8"?>
 <p:sld xmlns:a="http://schemas.openxmlformats.org/drawingml/2006/main" xmlns:r="http://schemas.openxmlformats.org/officeDocument/2006/relationships" xmlns:p="http://schemas.openxmlformats.org/presentationml/2006/main">
   <p:cSld>
-    <p:bg>
-      <p:bgPr>
-        <a:solidFill>
-          <a:schemeClr val="tx1">
-            <a:lumMod val="50000"/>
-          </a:schemeClr>
-        </a:solidFill>
-        <a:effectLst/>
-      </p:bgPr>
-    </p:bg>
-    <p:spTree>
-      <p:nvGrpSpPr>
-        <p:cNvPr id="1" name=""/>
-        <p:cNvGrpSpPr/>
-        <p:nvPr/>
-      </p:nvGrpSpPr>
-      <p:grpSpPr>
-        <a:xfrm>
-          <a:off x="0" y="0"/>
-          <a:ext cx="0" cy="0"/>
-          <a:chOff x="0" y="0"/>
-          <a:chExt cx="0" cy="0"/>
-        </a:xfrm>
-      </p:grpSpPr>
-      <p:sp>
-        <p:nvSpPr>
-          <p:cNvPr id="2" name="Title 1"/>
-          <p:cNvSpPr>
-            <a:spLocks noGrp="1"/>
-          </p:cNvSpPr>
-          <p:nvPr>
-            <p:ph type="title"/>
-          </p:nvPr>
-        </p:nvSpPr>
-        <p:spPr/>
-        <p:txBody>
-          <a:bodyPr/>
-          <a:lstStyle/>
-          <a:p>
-            <a:r>
-              <a:rPr lang="en-US"/>
-              <a:t>Variables </a:t>
-            </a:r>
-            <a:r>
-              <a:rPr lang="en-US" dirty="0"/>
-              <a:t>example</a:t>
-            </a:r>
-          </a:p>
-        </p:txBody>
-      </p:sp>
-      <p:sp>
-        <p:nvSpPr>
-          <p:cNvPr id="3" name="Content Placeholder 2"/>
-          <p:cNvSpPr>
-            <a:spLocks noGrp="1"/>
-          </p:cNvSpPr>
-          <p:nvPr>
-            <p:ph idx="1"/>
-          </p:nvPr>
-        </p:nvSpPr>
-        <p:spPr/>
-        <p:txBody>
-          <a:bodyPr>
-            <a:noAutofit/>
-          </a:bodyPr>
-          <a:lstStyle/>
-          <a:p>
-            <a:pPr marL="57150" indent="0">
-              <a:buNone/>
-            </a:pPr>
-            <a:r>
-              <a:rPr lang="en-US" sz="8800" dirty="0">
-                <a:hlinkClick r:id="rId3"/>
-              </a:rPr>
-              <a:t>https://replit.com/@HylandOutreach/VariablesExample#script.js</a:t>
-            </a:r>
-            <a:endParaRPr lang="en-US" sz="9600" dirty="0"/>
-          </a:p>
-        </p:txBody>
-      </p:sp>
-    </p:spTree>
-    <p:extLst>
-      <p:ext uri="{BB962C8B-B14F-4D97-AF65-F5344CB8AC3E}">
-        <p14:creationId xmlns:p14="http://schemas.microsoft.com/office/powerpoint/2010/main" val="240313177"/>
-      </p:ext>
-    </p:extLst>
-  </p:cSld>
-  <p:clrMapOvr>
-    <a:masterClrMapping/>
-  </p:clrMapOvr>
-  <p:transition>
-    <p:fade/>
-  </p:transition>
-</p:sld>
-</file>
-
-<file path=ppt/slides/slide6.xml><?xml version="1.0" encoding="utf-8"?>
-<p:sld xmlns:a="http://schemas.openxmlformats.org/drawingml/2006/main" xmlns:r="http://schemas.openxmlformats.org/officeDocument/2006/relationships" xmlns:p="http://schemas.openxmlformats.org/presentationml/2006/main">
-  <p:cSld>
     <p:spTree>
       <p:nvGrpSpPr>
         <p:cNvPr id="1" name=""/>
@@ -40947,6 +40823,105 @@
       <p:bldP spid="5" grpId="0" animBg="1"/>
     </p:bldLst>
   </p:timing>
+</p:sld>
+</file>
+
+<file path=ppt/slides/slide6.xml><?xml version="1.0" encoding="utf-8"?>
+<p:sld xmlns:a="http://schemas.openxmlformats.org/drawingml/2006/main" xmlns:r="http://schemas.openxmlformats.org/officeDocument/2006/relationships" xmlns:p="http://schemas.openxmlformats.org/presentationml/2006/main">
+  <p:cSld>
+    <p:bg>
+      <p:bgPr>
+        <a:solidFill>
+          <a:schemeClr val="tx1">
+            <a:lumMod val="50000"/>
+          </a:schemeClr>
+        </a:solidFill>
+        <a:effectLst/>
+      </p:bgPr>
+    </p:bg>
+    <p:spTree>
+      <p:nvGrpSpPr>
+        <p:cNvPr id="1" name=""/>
+        <p:cNvGrpSpPr/>
+        <p:nvPr/>
+      </p:nvGrpSpPr>
+      <p:grpSpPr>
+        <a:xfrm>
+          <a:off x="0" y="0"/>
+          <a:ext cx="0" cy="0"/>
+          <a:chOff x="0" y="0"/>
+          <a:chExt cx="0" cy="0"/>
+        </a:xfrm>
+      </p:grpSpPr>
+      <p:sp>
+        <p:nvSpPr>
+          <p:cNvPr id="2" name="Title 1"/>
+          <p:cNvSpPr>
+            <a:spLocks noGrp="1"/>
+          </p:cNvSpPr>
+          <p:nvPr>
+            <p:ph type="title"/>
+          </p:nvPr>
+        </p:nvSpPr>
+        <p:spPr/>
+        <p:txBody>
+          <a:bodyPr/>
+          <a:lstStyle/>
+          <a:p>
+            <a:r>
+              <a:rPr lang="en-US"/>
+              <a:t>Variables </a:t>
+            </a:r>
+            <a:r>
+              <a:rPr lang="en-US" dirty="0"/>
+              <a:t>example</a:t>
+            </a:r>
+          </a:p>
+        </p:txBody>
+      </p:sp>
+      <p:sp>
+        <p:nvSpPr>
+          <p:cNvPr id="3" name="Content Placeholder 2"/>
+          <p:cNvSpPr>
+            <a:spLocks noGrp="1"/>
+          </p:cNvSpPr>
+          <p:nvPr>
+            <p:ph idx="1"/>
+          </p:nvPr>
+        </p:nvSpPr>
+        <p:spPr/>
+        <p:txBody>
+          <a:bodyPr>
+            <a:noAutofit/>
+          </a:bodyPr>
+          <a:lstStyle/>
+          <a:p>
+            <a:pPr marL="57150" indent="0">
+              <a:buNone/>
+            </a:pPr>
+            <a:r>
+              <a:rPr lang="en-US" sz="9600" dirty="0">
+                <a:hlinkClick r:id="rId3"/>
+              </a:rPr>
+              <a:t>https://jsfiddle.net/6fc5srmv/</a:t>
+            </a:r>
+            <a:endParaRPr lang="en-US" sz="9600" dirty="0"/>
+          </a:p>
+        </p:txBody>
+      </p:sp>
+    </p:spTree>
+    <p:extLst>
+      <p:ext uri="{BB962C8B-B14F-4D97-AF65-F5344CB8AC3E}">
+        <p14:creationId xmlns:p14="http://schemas.microsoft.com/office/powerpoint/2010/main" val="240313177"/>
+      </p:ext>
+    </p:extLst>
+  </p:cSld>
+  <p:clrMapOvr>
+    <a:masterClrMapping/>
+  </p:clrMapOvr>
+  <p:transition>
+    <p:fade/>
+  </p:transition>
 </p:sld>
 </file>
 

--- a/IntroToJS/JavaScriptVariables.pptx
+++ b/IntroToJS/JavaScriptVariables.pptx
@@ -221,7 +221,7 @@
           <a:p>
             <a:fld id="{19104133-B5B0-4351-8158-4F0E5EB1E2BF}" type="datetimeFigureOut">
               <a:rPr lang="en-US" smtClean="0"/>
-              <a:t>9/4/2024</a:t>
+              <a:t>2/26/2025</a:t>
             </a:fld>
             <a:endParaRPr lang="en-US"/>
           </a:p>
@@ -2030,7 +2030,7 @@
             <a:fld id="{1C2D31DE-C454-491C-B5C3-F097855E3DF7}" type="datetime4">
               <a:rPr lang="en-US" smtClean="0"/>
               <a:pPr/>
-              <a:t>September 4, 2024</a:t>
+              <a:t>February 26, 2025</a:t>
             </a:fld>
             <a:endParaRPr lang="en-US" dirty="0"/>
           </a:p>
@@ -5422,7 +5422,7 @@
           <a:p>
             <a:fld id="{5958763E-B898-436D-883D-03711491D54A}" type="datetimeFigureOut">
               <a:rPr lang="en-US" smtClean="0"/>
-              <a:t>9/4/2024</a:t>
+              <a:t>2/26/2025</a:t>
             </a:fld>
             <a:endParaRPr lang="en-US"/>
           </a:p>
@@ -5615,7 +5615,7 @@
           <a:p>
             <a:fld id="{5958763E-B898-436D-883D-03711491D54A}" type="datetimeFigureOut">
               <a:rPr lang="en-US" smtClean="0"/>
-              <a:t>9/4/2024</a:t>
+              <a:t>2/26/2025</a:t>
             </a:fld>
             <a:endParaRPr lang="en-US"/>
           </a:p>
@@ -5865,7 +5865,7 @@
           <a:p>
             <a:fld id="{5958763E-B898-436D-883D-03711491D54A}" type="datetimeFigureOut">
               <a:rPr lang="en-US" smtClean="0"/>
-              <a:t>9/4/2024</a:t>
+              <a:t>2/26/2025</a:t>
             </a:fld>
             <a:endParaRPr lang="en-US"/>
           </a:p>
@@ -6213,7 +6213,7 @@
           <a:p>
             <a:fld id="{5958763E-B898-436D-883D-03711491D54A}" type="datetimeFigureOut">
               <a:rPr lang="en-US" smtClean="0"/>
-              <a:t>9/4/2024</a:t>
+              <a:t>2/26/2025</a:t>
             </a:fld>
             <a:endParaRPr lang="en-US"/>
           </a:p>
@@ -6629,7 +6629,7 @@
           <a:p>
             <a:fld id="{5958763E-B898-436D-883D-03711491D54A}" type="datetimeFigureOut">
               <a:rPr lang="en-US" smtClean="0"/>
-              <a:t>9/4/2024</a:t>
+              <a:t>2/26/2025</a:t>
             </a:fld>
             <a:endParaRPr lang="en-US"/>
           </a:p>
@@ -7130,7 +7130,7 @@
           <a:p>
             <a:fld id="{5958763E-B898-436D-883D-03711491D54A}" type="datetimeFigureOut">
               <a:rPr lang="en-US" smtClean="0"/>
-              <a:t>9/4/2024</a:t>
+              <a:t>2/26/2025</a:t>
             </a:fld>
             <a:endParaRPr lang="en-US"/>
           </a:p>
@@ -7581,7 +7581,7 @@
           <a:p>
             <a:fld id="{5958763E-B898-436D-883D-03711491D54A}" type="datetimeFigureOut">
               <a:rPr lang="en-US" smtClean="0"/>
-              <a:t>9/4/2024</a:t>
+              <a:t>2/26/2025</a:t>
             </a:fld>
             <a:endParaRPr lang="en-US"/>
           </a:p>
@@ -8192,7 +8192,7 @@
           <a:p>
             <a:fld id="{5958763E-B898-436D-883D-03711491D54A}" type="datetimeFigureOut">
               <a:rPr lang="en-US" smtClean="0"/>
-              <a:t>9/4/2024</a:t>
+              <a:t>2/26/2025</a:t>
             </a:fld>
             <a:endParaRPr lang="en-US"/>
           </a:p>
@@ -8963,7 +8963,7 @@
           <a:p>
             <a:fld id="{5958763E-B898-436D-883D-03711491D54A}" type="datetimeFigureOut">
               <a:rPr lang="en-US" smtClean="0"/>
-              <a:t>9/4/2024</a:t>
+              <a:t>2/26/2025</a:t>
             </a:fld>
             <a:endParaRPr lang="en-US"/>
           </a:p>
@@ -9067,7 +9067,7 @@
           <a:p>
             <a:fld id="{5958763E-B898-436D-883D-03711491D54A}" type="datetimeFigureOut">
               <a:rPr lang="en-US" smtClean="0"/>
-              <a:t>9/4/2024</a:t>
+              <a:t>2/26/2025</a:t>
             </a:fld>
             <a:endParaRPr lang="en-US"/>
           </a:p>
@@ -9394,7 +9394,7 @@
             <a:fld id="{1C2D31DE-C454-491C-B5C3-F097855E3DF7}" type="datetime4">
               <a:rPr lang="en-US" smtClean="0"/>
               <a:pPr/>
-              <a:t>September 4, 2024</a:t>
+              <a:t>February 26, 2025</a:t>
             </a:fld>
             <a:endParaRPr lang="en-US" dirty="0"/>
           </a:p>
@@ -12546,7 +12546,7 @@
           <a:p>
             <a:fld id="{5958763E-B898-436D-883D-03711491D54A}" type="datetimeFigureOut">
               <a:rPr lang="en-US" smtClean="0"/>
-              <a:t>9/4/2024</a:t>
+              <a:t>2/26/2025</a:t>
             </a:fld>
             <a:endParaRPr lang="en-US"/>
           </a:p>
@@ -12670,7 +12670,7 @@
           <a:p>
             <a:fld id="{5958763E-B898-436D-883D-03711491D54A}" type="datetimeFigureOut">
               <a:rPr lang="en-US" smtClean="0"/>
-              <a:t>9/4/2024</a:t>
+              <a:t>2/26/2025</a:t>
             </a:fld>
             <a:endParaRPr lang="en-US"/>
           </a:p>
@@ -12794,7 +12794,7 @@
           <a:p>
             <a:fld id="{5958763E-B898-436D-883D-03711491D54A}" type="datetimeFigureOut">
               <a:rPr lang="en-US" smtClean="0"/>
-              <a:t>9/4/2024</a:t>
+              <a:t>2/26/2025</a:t>
             </a:fld>
             <a:endParaRPr lang="en-US"/>
           </a:p>
@@ -12918,7 +12918,7 @@
           <a:p>
             <a:fld id="{5958763E-B898-436D-883D-03711491D54A}" type="datetimeFigureOut">
               <a:rPr lang="en-US" smtClean="0"/>
-              <a:t>9/4/2024</a:t>
+              <a:t>2/26/2025</a:t>
             </a:fld>
             <a:endParaRPr lang="en-US"/>
           </a:p>
@@ -13042,7 +13042,7 @@
           <a:p>
             <a:fld id="{5958763E-B898-436D-883D-03711491D54A}" type="datetimeFigureOut">
               <a:rPr lang="en-US" smtClean="0"/>
-              <a:t>9/4/2024</a:t>
+              <a:t>2/26/2025</a:t>
             </a:fld>
             <a:endParaRPr lang="en-US"/>
           </a:p>
@@ -13166,7 +13166,7 @@
           <a:p>
             <a:fld id="{5958763E-B898-436D-883D-03711491D54A}" type="datetimeFigureOut">
               <a:rPr lang="en-US" smtClean="0"/>
-              <a:t>9/4/2024</a:t>
+              <a:t>2/26/2025</a:t>
             </a:fld>
             <a:endParaRPr lang="en-US"/>
           </a:p>
@@ -13290,7 +13290,7 @@
           <a:p>
             <a:fld id="{5958763E-B898-436D-883D-03711491D54A}" type="datetimeFigureOut">
               <a:rPr lang="en-US" smtClean="0"/>
-              <a:t>9/4/2024</a:t>
+              <a:t>2/26/2025</a:t>
             </a:fld>
             <a:endParaRPr lang="en-US"/>
           </a:p>
@@ -13414,7 +13414,7 @@
           <a:p>
             <a:fld id="{5958763E-B898-436D-883D-03711491D54A}" type="datetimeFigureOut">
               <a:rPr lang="en-US" smtClean="0"/>
-              <a:t>9/4/2024</a:t>
+              <a:t>2/26/2025</a:t>
             </a:fld>
             <a:endParaRPr lang="en-US"/>
           </a:p>
@@ -13547,7 +13547,7 @@
           <a:p>
             <a:fld id="{5958763E-B898-436D-883D-03711491D54A}" type="datetimeFigureOut">
               <a:rPr lang="en-US" smtClean="0"/>
-              <a:t>9/4/2024</a:t>
+              <a:t>2/26/2025</a:t>
             </a:fld>
             <a:endParaRPr lang="en-US"/>
           </a:p>
@@ -16886,7 +16886,7 @@
             <a:fld id="{1C2D31DE-C454-491C-B5C3-F097855E3DF7}" type="datetime4">
               <a:rPr lang="en-US" smtClean="0"/>
               <a:pPr/>
-              <a:t>September 4, 2024</a:t>
+              <a:t>February 26, 2025</a:t>
             </a:fld>
             <a:endParaRPr lang="en-US" dirty="0"/>
           </a:p>
@@ -29122,7 +29122,7 @@
           <a:p>
             <a:fld id="{5958763E-B898-436D-883D-03711491D54A}" type="datetimeFigureOut">
               <a:rPr lang="en-US" smtClean="0"/>
-              <a:t>9/4/2024</a:t>
+              <a:t>2/26/2025</a:t>
             </a:fld>
             <a:endParaRPr lang="en-US"/>
           </a:p>
@@ -29524,7 +29524,7 @@
           <a:p>
             <a:fld id="{5958763E-B898-436D-883D-03711491D54A}" type="datetimeFigureOut">
               <a:rPr lang="en-US" smtClean="0"/>
-              <a:t>9/4/2024</a:t>
+              <a:t>2/26/2025</a:t>
             </a:fld>
             <a:endParaRPr lang="en-US"/>
           </a:p>
@@ -29818,7 +29818,7 @@
           <a:p>
             <a:fld id="{5958763E-B898-436D-883D-03711491D54A}" type="datetimeFigureOut">
               <a:rPr lang="en-US" smtClean="0"/>
-              <a:t>9/4/2024</a:t>
+              <a:t>2/26/2025</a:t>
             </a:fld>
             <a:endParaRPr lang="en-US"/>
           </a:p>
@@ -30019,7 +30019,7 @@
           <a:p>
             <a:fld id="{5958763E-B898-436D-883D-03711491D54A}" type="datetimeFigureOut">
               <a:rPr lang="en-US" smtClean="0"/>
-              <a:t>9/4/2024</a:t>
+              <a:t>2/26/2025</a:t>
             </a:fld>
             <a:endParaRPr lang="en-US"/>
           </a:p>
@@ -30280,7 +30280,7 @@
           <a:p>
             <a:fld id="{5958763E-B898-436D-883D-03711491D54A}" type="datetimeFigureOut">
               <a:rPr lang="en-US" smtClean="0"/>
-              <a:t>9/4/2024</a:t>
+              <a:t>2/26/2025</a:t>
             </a:fld>
             <a:endParaRPr lang="en-US"/>
           </a:p>
@@ -30788,7 +30788,7 @@
           <a:p>
             <a:fld id="{5958763E-B898-436D-883D-03711491D54A}" type="datetimeFigureOut">
               <a:rPr lang="en-US" smtClean="0"/>
-              <a:t>9/4/2024</a:t>
+              <a:t>2/26/2025</a:t>
             </a:fld>
             <a:endParaRPr lang="en-US"/>
           </a:p>
@@ -31267,7 +31267,7 @@
           <a:p>
             <a:fld id="{5958763E-B898-436D-883D-03711491D54A}" type="datetimeFigureOut">
               <a:rPr lang="en-US" smtClean="0"/>
-              <a:t>9/4/2024</a:t>
+              <a:t>2/26/2025</a:t>
             </a:fld>
             <a:endParaRPr lang="en-US"/>
           </a:p>
@@ -32086,7 +32086,7 @@
           <a:p>
             <a:fld id="{5958763E-B898-436D-883D-03711491D54A}" type="datetimeFigureOut">
               <a:rPr lang="en-US" smtClean="0"/>
-              <a:t>9/4/2024</a:t>
+              <a:t>2/26/2025</a:t>
             </a:fld>
             <a:endParaRPr lang="en-US"/>
           </a:p>
@@ -32287,7 +32287,7 @@
           <a:p>
             <a:fld id="{5958763E-B898-436D-883D-03711491D54A}" type="datetimeFigureOut">
               <a:rPr lang="en-US" smtClean="0"/>
-              <a:t>9/4/2024</a:t>
+              <a:t>2/26/2025</a:t>
             </a:fld>
             <a:endParaRPr lang="en-US"/>
           </a:p>
@@ -32622,7 +32622,7 @@
           <a:p>
             <a:fld id="{5958763E-B898-436D-883D-03711491D54A}" type="datetimeFigureOut">
               <a:rPr lang="en-US" smtClean="0"/>
-              <a:t>9/4/2024</a:t>
+              <a:t>2/26/2025</a:t>
             </a:fld>
             <a:endParaRPr lang="en-US"/>
           </a:p>
@@ -32852,7 +32852,7 @@
           <a:p>
             <a:fld id="{5958763E-B898-436D-883D-03711491D54A}" type="datetimeFigureOut">
               <a:rPr lang="en-US" smtClean="0"/>
-              <a:t>9/4/2024</a:t>
+              <a:t>2/26/2025</a:t>
             </a:fld>
             <a:endParaRPr lang="en-US"/>
           </a:p>
@@ -33096,7 +33096,7 @@
           <a:p>
             <a:fld id="{5958763E-B898-436D-883D-03711491D54A}" type="datetimeFigureOut">
               <a:rPr lang="en-US" smtClean="0"/>
-              <a:t>9/4/2024</a:t>
+              <a:t>2/26/2025</a:t>
             </a:fld>
             <a:endParaRPr lang="en-US"/>
           </a:p>
@@ -36875,7 +36875,31 @@
                   <a:srgbClr val="FFC000"/>
                 </a:solidFill>
               </a:rPr>
-              <a:t>Open a new JavaScript Starter project, and copy this code to try it!</a:t>
+              <a:t>Open your </a:t>
+            </a:r>
+            <a:r>
+              <a:rPr lang="en-US" sz="3200" b="1" i="1" dirty="0" err="1">
+                <a:solidFill>
+                  <a:srgbClr val="FFC000"/>
+                </a:solidFill>
+              </a:rPr>
+              <a:t>jsfiddle</a:t>
+            </a:r>
+            <a:r>
+              <a:rPr lang="en-US" sz="3200" b="1" i="1" dirty="0">
+                <a:solidFill>
+                  <a:srgbClr val="FFC000"/>
+                </a:solidFill>
+              </a:rPr>
+              <a:t> project</a:t>
+            </a:r>
+            <a:r>
+              <a:rPr lang="en-US" sz="3200" i="1" dirty="0">
+                <a:solidFill>
+                  <a:srgbClr val="FFC000"/>
+                </a:solidFill>
+              </a:rPr>
+              <a:t>, and copy this code to try it!</a:t>
             </a:r>
             <a:endParaRPr lang="en-US" sz="3600" b="1" dirty="0">
               <a:solidFill>
@@ -37031,8 +37055,13 @@
           <a:p>
             <a:r>
               <a:rPr lang="en-US" dirty="0"/>
-              <a:t>Mini-challenge: Update your script.js file</a:t>
+              <a:t>Mini-challenge: Update your </a:t>
             </a:r>
+            <a:r>
+              <a:rPr lang="en-US" dirty="0" err="1"/>
+              <a:t>javascript</a:t>
+            </a:r>
+            <a:endParaRPr lang="en-US" dirty="0"/>
           </a:p>
         </p:txBody>
       </p:sp>
@@ -40959,7 +40988,7 @@
           <a:p>
             <a:r>
               <a:rPr lang="en-US" dirty="0"/>
-              <a:t>Mini-challenge: update your script.js file</a:t>
+              <a:t>Mini-challenge: update your JavaScript</a:t>
             </a:r>
           </a:p>
         </p:txBody>
